--- a/WINTER2024/ProgramminginJavaScript/Week14/Week14.pptx
+++ b/WINTER2024/ProgramminginJavaScript/Week14/Week14.pptx
@@ -171,7 +171,7 @@
   <pc:docChgLst>
     <pc:chgData name="Noman  Atique" userId="aab35d70-e8e0-4a76-8862-eddb3a1d4775" providerId="ADAL" clId="{C99CCC39-25E9-49B6-8623-94D8E2D37DEB}"/>
     <pc:docChg chg="undo custSel addSld modSld">
-      <pc:chgData name="Noman  Atique" userId="aab35d70-e8e0-4a76-8862-eddb3a1d4775" providerId="ADAL" clId="{C99CCC39-25E9-49B6-8623-94D8E2D37DEB}" dt="2024-03-28T14:01:56.927" v="835" actId="6549"/>
+      <pc:chgData name="Noman  Atique" userId="aab35d70-e8e0-4a76-8862-eddb3a1d4775" providerId="ADAL" clId="{C99CCC39-25E9-49B6-8623-94D8E2D37DEB}" dt="2024-03-28T15:33:04.698" v="849" actId="20577"/>
       <pc:docMkLst>
         <pc:docMk/>
       </pc:docMkLst>
@@ -260,7 +260,7 @@
         </pc:spChg>
       </pc:sldChg>
       <pc:sldChg chg="modSp new mod">
-        <pc:chgData name="Noman  Atique" userId="aab35d70-e8e0-4a76-8862-eddb3a1d4775" providerId="ADAL" clId="{C99CCC39-25E9-49B6-8623-94D8E2D37DEB}" dt="2024-03-28T13:52:57.755" v="510" actId="20577"/>
+        <pc:chgData name="Noman  Atique" userId="aab35d70-e8e0-4a76-8862-eddb3a1d4775" providerId="ADAL" clId="{C99CCC39-25E9-49B6-8623-94D8E2D37DEB}" dt="2024-03-28T14:59:55.049" v="843" actId="5793"/>
         <pc:sldMkLst>
           <pc:docMk/>
           <pc:sldMk cId="332079591" sldId="295"/>
@@ -274,7 +274,7 @@
           </ac:spMkLst>
         </pc:spChg>
         <pc:spChg chg="mod">
-          <ac:chgData name="Noman  Atique" userId="aab35d70-e8e0-4a76-8862-eddb3a1d4775" providerId="ADAL" clId="{C99CCC39-25E9-49B6-8623-94D8E2D37DEB}" dt="2024-03-28T13:52:34.142" v="490" actId="313"/>
+          <ac:chgData name="Noman  Atique" userId="aab35d70-e8e0-4a76-8862-eddb3a1d4775" providerId="ADAL" clId="{C99CCC39-25E9-49B6-8623-94D8E2D37DEB}" dt="2024-03-28T14:59:55.049" v="843" actId="5793"/>
           <ac:spMkLst>
             <pc:docMk/>
             <pc:sldMk cId="332079591" sldId="295"/>
@@ -283,7 +283,7 @@
         </pc:spChg>
       </pc:sldChg>
       <pc:sldChg chg="modSp new mod">
-        <pc:chgData name="Noman  Atique" userId="aab35d70-e8e0-4a76-8862-eddb3a1d4775" providerId="ADAL" clId="{C99CCC39-25E9-49B6-8623-94D8E2D37DEB}" dt="2024-03-28T13:52:49.471" v="502" actId="20577"/>
+        <pc:chgData name="Noman  Atique" userId="aab35d70-e8e0-4a76-8862-eddb3a1d4775" providerId="ADAL" clId="{C99CCC39-25E9-49B6-8623-94D8E2D37DEB}" dt="2024-03-28T15:02:50.291" v="844" actId="20577"/>
         <pc:sldMkLst>
           <pc:docMk/>
           <pc:sldMk cId="3147023009" sldId="296"/>
@@ -297,7 +297,7 @@
           </ac:spMkLst>
         </pc:spChg>
         <pc:spChg chg="mod">
-          <ac:chgData name="Noman  Atique" userId="aab35d70-e8e0-4a76-8862-eddb3a1d4775" providerId="ADAL" clId="{C99CCC39-25E9-49B6-8623-94D8E2D37DEB}" dt="2024-03-28T13:52:45.965" v="492" actId="27636"/>
+          <ac:chgData name="Noman  Atique" userId="aab35d70-e8e0-4a76-8862-eddb3a1d4775" providerId="ADAL" clId="{C99CCC39-25E9-49B6-8623-94D8E2D37DEB}" dt="2024-03-28T15:02:50.291" v="844" actId="20577"/>
           <ac:spMkLst>
             <pc:docMk/>
             <pc:sldMk cId="3147023009" sldId="296"/>
@@ -375,7 +375,7 @@
         </pc:spChg>
       </pc:sldChg>
       <pc:sldChg chg="modSp new mod">
-        <pc:chgData name="Noman  Atique" userId="aab35d70-e8e0-4a76-8862-eddb3a1d4775" providerId="ADAL" clId="{C99CCC39-25E9-49B6-8623-94D8E2D37DEB}" dt="2024-03-28T13:55:05.225" v="557" actId="20577"/>
+        <pc:chgData name="Noman  Atique" userId="aab35d70-e8e0-4a76-8862-eddb3a1d4775" providerId="ADAL" clId="{C99CCC39-25E9-49B6-8623-94D8E2D37DEB}" dt="2024-03-28T15:18:22.762" v="848" actId="313"/>
         <pc:sldMkLst>
           <pc:docMk/>
           <pc:sldMk cId="1278473723" sldId="300"/>
@@ -389,7 +389,7 @@
           </ac:spMkLst>
         </pc:spChg>
         <pc:spChg chg="mod">
-          <ac:chgData name="Noman  Atique" userId="aab35d70-e8e0-4a76-8862-eddb3a1d4775" providerId="ADAL" clId="{C99CCC39-25E9-49B6-8623-94D8E2D37DEB}" dt="2024-03-28T13:55:01.113" v="545"/>
+          <ac:chgData name="Noman  Atique" userId="aab35d70-e8e0-4a76-8862-eddb3a1d4775" providerId="ADAL" clId="{C99CCC39-25E9-49B6-8623-94D8E2D37DEB}" dt="2024-03-28T15:18:22.762" v="848" actId="313"/>
           <ac:spMkLst>
             <pc:docMk/>
             <pc:sldMk cId="1278473723" sldId="300"/>
@@ -467,7 +467,7 @@
         </pc:spChg>
       </pc:sldChg>
       <pc:sldChg chg="modSp new mod">
-        <pc:chgData name="Noman  Atique" userId="aab35d70-e8e0-4a76-8862-eddb3a1d4775" providerId="ADAL" clId="{C99CCC39-25E9-49B6-8623-94D8E2D37DEB}" dt="2024-03-28T13:58:10.023" v="699" actId="6549"/>
+        <pc:chgData name="Noman  Atique" userId="aab35d70-e8e0-4a76-8862-eddb3a1d4775" providerId="ADAL" clId="{C99CCC39-25E9-49B6-8623-94D8E2D37DEB}" dt="2024-03-28T15:33:04.698" v="849" actId="20577"/>
         <pc:sldMkLst>
           <pc:docMk/>
           <pc:sldMk cId="835625051" sldId="304"/>
@@ -481,7 +481,7 @@
           </ac:spMkLst>
         </pc:spChg>
         <pc:spChg chg="mod">
-          <ac:chgData name="Noman  Atique" userId="aab35d70-e8e0-4a76-8862-eddb3a1d4775" providerId="ADAL" clId="{C99CCC39-25E9-49B6-8623-94D8E2D37DEB}" dt="2024-03-28T13:58:10.023" v="699" actId="6549"/>
+          <ac:chgData name="Noman  Atique" userId="aab35d70-e8e0-4a76-8862-eddb3a1d4775" providerId="ADAL" clId="{C99CCC39-25E9-49B6-8623-94D8E2D37DEB}" dt="2024-03-28T15:33:04.698" v="849" actId="20577"/>
           <ac:spMkLst>
             <pc:docMk/>
             <pc:sldMk cId="835625051" sldId="304"/>
@@ -4312,23 +4312,7 @@
             </a:pPr>
             <a:r>
               <a:rPr lang="en-US" dirty="0"/>
-              <a:t>Testing of individual building blocks of an application. Each unit is tested in Isolation, independent of other </a:t>
-            </a:r>
-            <a:r>
-              <a:rPr lang="en-US" dirty="0" err="1"/>
-              <a:t>units.Run</a:t>
-            </a:r>
-            <a:r>
-              <a:rPr lang="en-US" dirty="0"/>
-              <a:t> in a short amount of time and make it very easy to pinpoint </a:t>
-            </a:r>
-            <a:r>
-              <a:rPr lang="en-US" dirty="0" err="1"/>
-              <a:t>failues</a:t>
-            </a:r>
-            <a:r>
-              <a:rPr lang="en-US" dirty="0"/>
-              <a:t>..Relatively easier to write and maintain...</a:t>
+              <a:t>Testing of individual building blocks of an application. Each unit is tested in Isolation, independent of other units. Run in a short amount of time and make it very easy to pinpoint failures. Relatively easier to write and maintain...</a:t>
             </a:r>
           </a:p>
           <a:p>
@@ -4858,7 +4842,7 @@
             </a:pPr>
             <a:r>
               <a:rPr lang="en-US" dirty="0"/>
-              <a:t> b. git (?)</a:t>
+              <a:t>b. git (?)</a:t>
             </a:r>
           </a:p>
           <a:p>
@@ -10153,18 +10137,27 @@
           </a:bodyPr>
           <a:lstStyle/>
           <a:p>
+            <a:pPr marL="0" indent="0">
+              <a:buNone/>
+            </a:pPr>
             <a:r>
               <a:rPr lang="en-US" dirty="0"/>
               <a:t>1.Manual Testing:</a:t>
             </a:r>
           </a:p>
           <a:p>
-            <a:r>
-              <a:rPr lang="en-US" dirty="0"/>
-              <a:t>    opens the website, interacts with it in all possible ways and ensure everything is working.</a:t>
-            </a:r>
-          </a:p>
-          <a:p>
+            <a:pPr marL="0" indent="0">
+              <a:buNone/>
+            </a:pPr>
+            <a:r>
+              <a:rPr lang="en-US" dirty="0"/>
+              <a:t>   opens the website, interacts with it in all possible ways and ensure everything is working.</a:t>
+            </a:r>
+          </a:p>
+          <a:p>
+            <a:pPr marL="0" indent="0">
+              <a:buNone/>
+            </a:pPr>
             <a:r>
               <a:rPr lang="en-US" dirty="0"/>
               <a:t>    if a new feature is released, we repeat the same steps!</a:t>
@@ -10174,24 +10167,36 @@
             <a:endParaRPr lang="en-US" dirty="0"/>
           </a:p>
           <a:p>
+            <a:pPr marL="0" indent="0">
+              <a:buNone/>
+            </a:pPr>
             <a:r>
               <a:rPr lang="en-US" dirty="0"/>
               <a:t>    Problems in MT:</a:t>
             </a:r>
           </a:p>
           <a:p>
+            <a:pPr marL="0" indent="0">
+              <a:buNone/>
+            </a:pPr>
             <a:r>
               <a:rPr lang="en-US" dirty="0"/>
               <a:t>    a. Time consuming</a:t>
             </a:r>
           </a:p>
           <a:p>
+            <a:pPr marL="0" indent="0">
+              <a:buNone/>
+            </a:pPr>
             <a:r>
               <a:rPr lang="en-US" dirty="0"/>
               <a:t>    b. Complex repetitive tasks have a risk of human error.</a:t>
             </a:r>
           </a:p>
           <a:p>
+            <a:pPr marL="0" indent="0">
+              <a:buNone/>
+            </a:pPr>
             <a:r>
               <a:rPr lang="en-US" dirty="0"/>
               <a:t>    c. In large-scale application, we might not be able to test ALL the features...</a:t>
@@ -11037,15 +11042,7 @@
           <a:p>
             <a:r>
               <a:rPr lang="en-US" dirty="0"/>
-              <a:t>    additional effort is </a:t>
-            </a:r>
-            <a:r>
-              <a:rPr lang="en-US" dirty="0" err="1"/>
-              <a:t>required,but</a:t>
-            </a:r>
-            <a:r>
-              <a:rPr lang="en-US" dirty="0"/>
-              <a:t> once done, it can be used for long...</a:t>
+              <a:t>    additional effort is required, but once done, it can be used for long...</a:t>
             </a:r>
           </a:p>
           <a:p>
@@ -11619,15 +11616,6 @@
 </file>
 
 <file path=customXml/item1.xml><?xml version="1.0" encoding="utf-8"?>
-<?mso-contentType ?>
-<FormTemplates xmlns="http://schemas.microsoft.com/sharepoint/v3/contenttype/forms">
-  <Display>DocumentLibraryForm</Display>
-  <Edit>DocumentLibraryForm</Edit>
-  <New>DocumentLibraryForm</New>
-</FormTemplates>
-</file>
-
-<file path=customXml/item2.xml><?xml version="1.0" encoding="utf-8"?>
 <ct:contentTypeSchema xmlns:ct="http://schemas.microsoft.com/office/2006/metadata/contentType" xmlns:ma="http://schemas.microsoft.com/office/2006/metadata/properties/metaAttributes" ct:_="" ma:_="" ma:contentTypeName="Document" ma:contentTypeID="0x010100BBFA29CD42548345BF7AD8289B649807" ma:contentTypeVersion="18" ma:contentTypeDescription="Create a new document." ma:contentTypeScope="" ma:versionID="f0ffc5ce741520f6cb9e6e87bb28d6b3">
   <xsd:schema xmlns:xsd="http://www.w3.org/2001/XMLSchema" xmlns:xs="http://www.w3.org/2001/XMLSchema" xmlns:p="http://schemas.microsoft.com/office/2006/metadata/properties" xmlns:ns3="044ca11b-8123-43f4-bb6d-87b29a109dcd" xmlns:ns4="3411811a-9679-404d-9a25-72d18bdd7fe0" targetNamespace="http://schemas.microsoft.com/office/2006/metadata/properties" ma:root="true" ma:fieldsID="2a5393160e2f31b3098ec9594008d65f" ns3:_="" ns4:_="">
     <xsd:import namespace="044ca11b-8123-43f4-bb6d-87b29a109dcd"/>
@@ -11880,7 +11868,7 @@
 </ct:contentTypeSchema>
 </file>
 
-<file path=customXml/item3.xml><?xml version="1.0" encoding="utf-8"?>
+<file path=customXml/item2.xml><?xml version="1.0" encoding="utf-8"?>
 <p:properties xmlns:p="http://schemas.microsoft.com/office/2006/metadata/properties" xmlns:xsi="http://www.w3.org/2001/XMLSchema-instance" xmlns:pc="http://schemas.microsoft.com/office/infopath/2007/PartnerControls">
   <documentManagement>
     <_activity xmlns="3411811a-9679-404d-9a25-72d18bdd7fe0" xsi:nil="true"/>
@@ -11888,15 +11876,16 @@
 </p:properties>
 </file>
 
-<file path=customXml/itemProps1.xml><?xml version="1.0" encoding="utf-8"?>
-<ds:datastoreItem xmlns:ds="http://schemas.openxmlformats.org/officeDocument/2006/customXml" ds:itemID="{D6ECFDA5-7D59-48AB-8F8A-5B77C3955619}">
-  <ds:schemaRefs>
-    <ds:schemaRef ds:uri="http://schemas.microsoft.com/sharepoint/v3/contenttype/forms"/>
-  </ds:schemaRefs>
-</ds:datastoreItem>
+<file path=customXml/item3.xml><?xml version="1.0" encoding="utf-8"?>
+<?mso-contentType ?>
+<FormTemplates xmlns="http://schemas.microsoft.com/sharepoint/v3/contenttype/forms">
+  <Display>DocumentLibraryForm</Display>
+  <Edit>DocumentLibraryForm</Edit>
+  <New>DocumentLibraryForm</New>
+</FormTemplates>
 </file>
 
-<file path=customXml/itemProps2.xml><?xml version="1.0" encoding="utf-8"?>
+<file path=customXml/itemProps1.xml><?xml version="1.0" encoding="utf-8"?>
 <ds:datastoreItem xmlns:ds="http://schemas.openxmlformats.org/officeDocument/2006/customXml" ds:itemID="{A17F18D6-5B4A-4730-A4EA-C353BA3651C8}">
   <ds:schemaRefs>
     <ds:schemaRef ds:uri="http://schemas.microsoft.com/office/2006/metadata/contentType"/>
@@ -11915,12 +11904,27 @@
 </ds:datastoreItem>
 </file>
 
-<file path=customXml/itemProps3.xml><?xml version="1.0" encoding="utf-8"?>
+<file path=customXml/itemProps2.xml><?xml version="1.0" encoding="utf-8"?>
 <ds:datastoreItem xmlns:ds="http://schemas.openxmlformats.org/officeDocument/2006/customXml" ds:itemID="{80CD16DC-3AB8-44D2-966A-AF0644008F4E}">
   <ds:schemaRefs>
+    <ds:schemaRef ds:uri="http://schemas.microsoft.com/office/2006/documentManagement/types"/>
+    <ds:schemaRef ds:uri="http://www.w3.org/XML/1998/namespace"/>
+    <ds:schemaRef ds:uri="044ca11b-8123-43f4-bb6d-87b29a109dcd"/>
     <ds:schemaRef ds:uri="http://schemas.microsoft.com/office/2006/metadata/properties"/>
+    <ds:schemaRef ds:uri="http://schemas.openxmlformats.org/package/2006/metadata/core-properties"/>
+    <ds:schemaRef ds:uri="http://purl.org/dc/dcmitype/"/>
+    <ds:schemaRef ds:uri="http://purl.org/dc/elements/1.1/"/>
+    <ds:schemaRef ds:uri="http://purl.org/dc/terms/"/>
     <ds:schemaRef ds:uri="http://schemas.microsoft.com/office/infopath/2007/PartnerControls"/>
     <ds:schemaRef ds:uri="3411811a-9679-404d-9a25-72d18bdd7fe0"/>
   </ds:schemaRefs>
 </ds:datastoreItem>
+</file>
+
+<file path=customXml/itemProps3.xml><?xml version="1.0" encoding="utf-8"?>
+<ds:datastoreItem xmlns:ds="http://schemas.openxmlformats.org/officeDocument/2006/customXml" ds:itemID="{D6ECFDA5-7D59-48AB-8F8A-5B77C3955619}">
+  <ds:schemaRefs>
+    <ds:schemaRef ds:uri="http://schemas.microsoft.com/sharepoint/v3/contenttype/forms"/>
+  </ds:schemaRefs>
+</ds:datastoreItem>
 </file>